--- a/Project 1.pptx
+++ b/Project 1.pptx
@@ -5,10 +5,10 @@
     <p:sldMasterId id="2147483648" r:id="rId1"/>
   </p:sldMasterIdLst>
   <p:notesMasterIdLst>
-    <p:notesMasterId r:id="rId17"/>
+    <p:notesMasterId r:id="rId18"/>
   </p:notesMasterIdLst>
   <p:handoutMasterIdLst>
-    <p:handoutMasterId r:id="rId18"/>
+    <p:handoutMasterId r:id="rId19"/>
   </p:handoutMasterIdLst>
   <p:sldIdLst>
     <p:sldId id="318" r:id="rId2"/>
@@ -21,16 +21,17 @@
     <p:sldId id="340" r:id="rId9"/>
     <p:sldId id="343" r:id="rId10"/>
     <p:sldId id="344" r:id="rId11"/>
-    <p:sldId id="342" r:id="rId12"/>
-    <p:sldId id="330" r:id="rId13"/>
-    <p:sldId id="331" r:id="rId14"/>
-    <p:sldId id="332" r:id="rId15"/>
-    <p:sldId id="338" r:id="rId16"/>
+    <p:sldId id="330" r:id="rId12"/>
+    <p:sldId id="348" r:id="rId13"/>
+    <p:sldId id="349" r:id="rId14"/>
+    <p:sldId id="331" r:id="rId15"/>
+    <p:sldId id="332" r:id="rId16"/>
+    <p:sldId id="338" r:id="rId17"/>
   </p:sldIdLst>
   <p:sldSz cx="12188825" cy="6858000"/>
   <p:notesSz cx="6858000" cy="9144000"/>
   <p:custDataLst>
-    <p:tags r:id="rId19"/>
+    <p:tags r:id="rId20"/>
   </p:custDataLst>
   <p:defaultTextStyle>
     <a:defPPr>
@@ -212,7 +213,7 @@
 <file path=ppt/revisionInfo.xml><?xml version="1.0" encoding="utf-8"?>
 <p1510:revInfo xmlns:a="http://schemas.openxmlformats.org/drawingml/2006/main" xmlns:r="http://schemas.openxmlformats.org/officeDocument/2006/relationships" xmlns:p1510="http://schemas.microsoft.com/office/powerpoint/2015/10/main">
   <p1510:revLst>
-    <p1510:client id="{60C8D979-8A6E-464F-A494-8F8947F0E0B8}" v="1012" dt="2020-11-09T18:22:24.476"/>
+    <p1510:client id="{60C8D979-8A6E-464F-A494-8F8947F0E0B8}" v="1042" dt="2020-11-10T01:36:15.591"/>
   </p1510:revLst>
 </p1510:revInfo>
 </file>
@@ -222,10 +223,25 @@
   <pc:docChgLst>
     <pc:chgData name="Thao Hoang" userId="0e23db62feec2a5d" providerId="LiveId" clId="{60C8D979-8A6E-464F-A494-8F8947F0E0B8}"/>
     <pc:docChg chg="undo custSel addSld delSld modSld sldOrd">
-      <pc:chgData name="Thao Hoang" userId="0e23db62feec2a5d" providerId="LiveId" clId="{60C8D979-8A6E-464F-A494-8F8947F0E0B8}" dt="2020-11-09T18:23:34.663" v="7449" actId="20577"/>
+      <pc:chgData name="Thao Hoang" userId="0e23db62feec2a5d" providerId="LiveId" clId="{60C8D979-8A6E-464F-A494-8F8947F0E0B8}" dt="2020-11-10T01:39:07.236" v="8160" actId="6549"/>
       <pc:docMkLst>
         <pc:docMk/>
       </pc:docMkLst>
+      <pc:sldChg chg="addSp delSp modSp mod">
+        <pc:chgData name="Thao Hoang" userId="0e23db62feec2a5d" providerId="LiveId" clId="{60C8D979-8A6E-464F-A494-8F8947F0E0B8}" dt="2020-11-10T01:00:41.732" v="7453" actId="21"/>
+        <pc:sldMkLst>
+          <pc:docMk/>
+          <pc:sldMk cId="2320115561" sldId="318"/>
+        </pc:sldMkLst>
+        <pc:picChg chg="add del mod">
+          <ac:chgData name="Thao Hoang" userId="0e23db62feec2a5d" providerId="LiveId" clId="{60C8D979-8A6E-464F-A494-8F8947F0E0B8}" dt="2020-11-10T01:00:41.732" v="7453" actId="21"/>
+          <ac:picMkLst>
+            <pc:docMk/>
+            <pc:sldMk cId="2320115561" sldId="318"/>
+            <ac:picMk id="5" creationId="{2DBFA4B6-2182-4B12-BBE4-8476E37EF72A}"/>
+          </ac:picMkLst>
+        </pc:picChg>
+      </pc:sldChg>
       <pc:sldChg chg="modSp mod">
         <pc:chgData name="Thao Hoang" userId="0e23db62feec2a5d" providerId="LiveId" clId="{60C8D979-8A6E-464F-A494-8F8947F0E0B8}" dt="2020-11-09T18:16:06.109" v="7345" actId="20577"/>
         <pc:sldMkLst>
@@ -250,7 +266,7 @@
         </pc:spChg>
       </pc:sldChg>
       <pc:sldChg chg="addSp delSp modSp mod">
-        <pc:chgData name="Thao Hoang" userId="0e23db62feec2a5d" providerId="LiveId" clId="{60C8D979-8A6E-464F-A494-8F8947F0E0B8}" dt="2020-11-08T18:03:22.909" v="4080" actId="20577"/>
+        <pc:chgData name="Thao Hoang" userId="0e23db62feec2a5d" providerId="LiveId" clId="{60C8D979-8A6E-464F-A494-8F8947F0E0B8}" dt="2020-11-10T01:34:13.907" v="8073" actId="20577"/>
         <pc:sldMkLst>
           <pc:docMk/>
           <pc:sldMk cId="2193902762" sldId="330"/>
@@ -264,11 +280,19 @@
           </ac:spMkLst>
         </pc:spChg>
         <pc:spChg chg="mod">
-          <ac:chgData name="Thao Hoang" userId="0e23db62feec2a5d" providerId="LiveId" clId="{60C8D979-8A6E-464F-A494-8F8947F0E0B8}" dt="2020-11-08T18:03:22.909" v="4080" actId="20577"/>
+          <ac:chgData name="Thao Hoang" userId="0e23db62feec2a5d" providerId="LiveId" clId="{60C8D979-8A6E-464F-A494-8F8947F0E0B8}" dt="2020-11-10T01:34:13.907" v="8073" actId="20577"/>
           <ac:spMkLst>
             <pc:docMk/>
             <pc:sldMk cId="2193902762" sldId="330"/>
             <ac:spMk id="13" creationId="{00000000-0000-0000-0000-000000000000}"/>
+          </ac:spMkLst>
+        </pc:spChg>
+        <pc:spChg chg="add mod">
+          <ac:chgData name="Thao Hoang" userId="0e23db62feec2a5d" providerId="LiveId" clId="{60C8D979-8A6E-464F-A494-8F8947F0E0B8}" dt="2020-11-10T01:33:55.499" v="8067" actId="20577"/>
+          <ac:spMkLst>
+            <pc:docMk/>
+            <pc:sldMk cId="2193902762" sldId="330"/>
+            <ac:spMk id="15" creationId="{F1E73E71-38F6-4A8F-ACD8-3B889EBC13CC}"/>
           </ac:spMkLst>
         </pc:spChg>
         <pc:graphicFrameChg chg="del">
@@ -279,6 +303,54 @@
             <ac:graphicFrameMk id="7" creationId="{00000000-0000-0000-0000-000000000000}"/>
           </ac:graphicFrameMkLst>
         </pc:graphicFrameChg>
+        <pc:picChg chg="add del mod">
+          <ac:chgData name="Thao Hoang" userId="0e23db62feec2a5d" providerId="LiveId" clId="{60C8D979-8A6E-464F-A494-8F8947F0E0B8}" dt="2020-11-10T01:02:15.610" v="7467" actId="478"/>
+          <ac:picMkLst>
+            <pc:docMk/>
+            <pc:sldMk cId="2193902762" sldId="330"/>
+            <ac:picMk id="2" creationId="{0A20D45D-8F13-498D-AE70-559CF079261B}"/>
+          </ac:picMkLst>
+        </pc:picChg>
+        <pc:picChg chg="add del mod">
+          <ac:chgData name="Thao Hoang" userId="0e23db62feec2a5d" providerId="LiveId" clId="{60C8D979-8A6E-464F-A494-8F8947F0E0B8}" dt="2020-11-10T01:14:00.494" v="7754" actId="478"/>
+          <ac:picMkLst>
+            <pc:docMk/>
+            <pc:sldMk cId="2193902762" sldId="330"/>
+            <ac:picMk id="5" creationId="{42CA4E4A-C5B5-40BD-BF7B-AA598F467261}"/>
+          </ac:picMkLst>
+        </pc:picChg>
+        <pc:picChg chg="add del mod">
+          <ac:chgData name="Thao Hoang" userId="0e23db62feec2a5d" providerId="LiveId" clId="{60C8D979-8A6E-464F-A494-8F8947F0E0B8}" dt="2020-11-10T01:02:45.141" v="7471" actId="478"/>
+          <ac:picMkLst>
+            <pc:docMk/>
+            <pc:sldMk cId="2193902762" sldId="330"/>
+            <ac:picMk id="7" creationId="{C21E112B-37B4-434C-B101-34ECEE379F80}"/>
+          </ac:picMkLst>
+        </pc:picChg>
+        <pc:picChg chg="add del mod">
+          <ac:chgData name="Thao Hoang" userId="0e23db62feec2a5d" providerId="LiveId" clId="{60C8D979-8A6E-464F-A494-8F8947F0E0B8}" dt="2020-11-10T01:03:38.311" v="7480" actId="478"/>
+          <ac:picMkLst>
+            <pc:docMk/>
+            <pc:sldMk cId="2193902762" sldId="330"/>
+            <ac:picMk id="9" creationId="{1600E198-43EC-411B-A9FB-F1ACAEC6F0FD}"/>
+          </ac:picMkLst>
+        </pc:picChg>
+        <pc:picChg chg="add mod">
+          <ac:chgData name="Thao Hoang" userId="0e23db62feec2a5d" providerId="LiveId" clId="{60C8D979-8A6E-464F-A494-8F8947F0E0B8}" dt="2020-11-10T01:14:58.968" v="7822" actId="14100"/>
+          <ac:picMkLst>
+            <pc:docMk/>
+            <pc:sldMk cId="2193902762" sldId="330"/>
+            <ac:picMk id="11" creationId="{7FAA0539-5B6B-4C9F-8EDD-5E9DD50417AF}"/>
+          </ac:picMkLst>
+        </pc:picChg>
+        <pc:picChg chg="add del mod">
+          <ac:chgData name="Thao Hoang" userId="0e23db62feec2a5d" providerId="LiveId" clId="{60C8D979-8A6E-464F-A494-8F8947F0E0B8}" dt="2020-11-10T01:09:52.768" v="7517" actId="478"/>
+          <ac:picMkLst>
+            <pc:docMk/>
+            <pc:sldMk cId="2193902762" sldId="330"/>
+            <ac:picMk id="14" creationId="{0511F979-BD5F-46E6-8E63-CAE553D40F88}"/>
+          </ac:picMkLst>
+        </pc:picChg>
       </pc:sldChg>
       <pc:sldChg chg="addSp delSp modSp mod">
         <pc:chgData name="Thao Hoang" userId="0e23db62feec2a5d" providerId="LiveId" clId="{60C8D979-8A6E-464F-A494-8F8947F0E0B8}" dt="2020-11-08T18:03:18.503" v="4070" actId="20577"/>
@@ -465,7 +537,7 @@
         </pc:picChg>
       </pc:sldChg>
       <pc:sldChg chg="addSp delSp modSp add mod modNotesTx">
-        <pc:chgData name="Thao Hoang" userId="0e23db62feec2a5d" providerId="LiveId" clId="{60C8D979-8A6E-464F-A494-8F8947F0E0B8}" dt="2020-11-09T18:10:18.234" v="6925" actId="20577"/>
+        <pc:chgData name="Thao Hoang" userId="0e23db62feec2a5d" providerId="LiveId" clId="{60C8D979-8A6E-464F-A494-8F8947F0E0B8}" dt="2020-11-10T01:36:40.014" v="8077" actId="6549"/>
         <pc:sldMkLst>
           <pc:docMk/>
           <pc:sldMk cId="96066727" sldId="339"/>
@@ -479,7 +551,7 @@
           </ac:spMkLst>
         </pc:spChg>
         <pc:spChg chg="add del mod">
-          <ac:chgData name="Thao Hoang" userId="0e23db62feec2a5d" providerId="LiveId" clId="{60C8D979-8A6E-464F-A494-8F8947F0E0B8}" dt="2020-11-09T18:10:18.234" v="6925" actId="20577"/>
+          <ac:chgData name="Thao Hoang" userId="0e23db62feec2a5d" providerId="LiveId" clId="{60C8D979-8A6E-464F-A494-8F8947F0E0B8}" dt="2020-11-10T01:36:40.014" v="8077" actId="6549"/>
           <ac:spMkLst>
             <pc:docMk/>
             <pc:sldMk cId="96066727" sldId="339"/>
@@ -813,12 +885,28 @@
           </ac:picMkLst>
         </pc:picChg>
       </pc:sldChg>
-      <pc:sldChg chg="add">
-        <pc:chgData name="Thao Hoang" userId="0e23db62feec2a5d" providerId="LiveId" clId="{60C8D979-8A6E-464F-A494-8F8947F0E0B8}" dt="2020-11-09T18:22:24.472" v="7419"/>
+      <pc:sldChg chg="addSp delSp add del mod">
+        <pc:chgData name="Thao Hoang" userId="0e23db62feec2a5d" providerId="LiveId" clId="{60C8D979-8A6E-464F-A494-8F8947F0E0B8}" dt="2020-11-10T01:37:51.601" v="8081" actId="47"/>
         <pc:sldMkLst>
           <pc:docMk/>
           <pc:sldMk cId="1323540891" sldId="342"/>
         </pc:sldMkLst>
+        <pc:picChg chg="add del">
+          <ac:chgData name="Thao Hoang" userId="0e23db62feec2a5d" providerId="LiveId" clId="{60C8D979-8A6E-464F-A494-8F8947F0E0B8}" dt="2020-11-10T01:15:11.366" v="7824" actId="22"/>
+          <ac:picMkLst>
+            <pc:docMk/>
+            <pc:sldMk cId="1323540891" sldId="342"/>
+            <ac:picMk id="5" creationId="{3487C0E8-88AA-4D62-8EDB-78D0C379F7C8}"/>
+          </ac:picMkLst>
+        </pc:picChg>
+        <pc:picChg chg="add del">
+          <ac:chgData name="Thao Hoang" userId="0e23db62feec2a5d" providerId="LiveId" clId="{60C8D979-8A6E-464F-A494-8F8947F0E0B8}" dt="2020-11-10T01:15:14.649" v="7826" actId="22"/>
+          <ac:picMkLst>
+            <pc:docMk/>
+            <pc:sldMk cId="1323540891" sldId="342"/>
+            <ac:picMk id="8" creationId="{1AFCDECA-7CD3-48D4-9C0D-74778BA72C96}"/>
+          </ac:picMkLst>
+        </pc:picChg>
       </pc:sldChg>
       <pc:sldChg chg="modSp add del mod">
         <pc:chgData name="Thao Hoang" userId="0e23db62feec2a5d" providerId="LiveId" clId="{60C8D979-8A6E-464F-A494-8F8947F0E0B8}" dt="2020-11-09T18:22:18.566" v="7418" actId="2696"/>
@@ -1026,7 +1114,7 @@
         </pc:graphicFrameChg>
       </pc:sldChg>
       <pc:sldChg chg="addSp delSp modSp add mod modNotesTx">
-        <pc:chgData name="Thao Hoang" userId="0e23db62feec2a5d" providerId="LiveId" clId="{60C8D979-8A6E-464F-A494-8F8947F0E0B8}" dt="2020-11-09T18:18:20.985" v="7373" actId="20577"/>
+        <pc:chgData name="Thao Hoang" userId="0e23db62feec2a5d" providerId="LiveId" clId="{60C8D979-8A6E-464F-A494-8F8947F0E0B8}" dt="2020-11-10T01:37:26.524" v="8080" actId="20577"/>
         <pc:sldMkLst>
           <pc:docMk/>
           <pc:sldMk cId="152664114" sldId="345"/>
@@ -1120,7 +1208,7 @@
           </ac:spMkLst>
         </pc:spChg>
         <pc:spChg chg="add mod">
-          <ac:chgData name="Thao Hoang" userId="0e23db62feec2a5d" providerId="LiveId" clId="{60C8D979-8A6E-464F-A494-8F8947F0E0B8}" dt="2020-11-09T18:17:56.672" v="7347" actId="6549"/>
+          <ac:chgData name="Thao Hoang" userId="0e23db62feec2a5d" providerId="LiveId" clId="{60C8D979-8A6E-464F-A494-8F8947F0E0B8}" dt="2020-11-10T01:37:26.524" v="8080" actId="20577"/>
           <ac:spMkLst>
             <pc:docMk/>
             <pc:sldMk cId="152664114" sldId="345"/>
@@ -1321,6 +1409,99 @@
             <pc:docMk/>
             <pc:sldMk cId="2077969398" sldId="347"/>
             <ac:picMk id="3074" creationId="{09B306EA-0352-40E1-9826-BB25AB6D3743}"/>
+          </ac:picMkLst>
+        </pc:picChg>
+      </pc:sldChg>
+      <pc:sldChg chg="delSp modSp add del mod">
+        <pc:chgData name="Thao Hoang" userId="0e23db62feec2a5d" providerId="LiveId" clId="{60C8D979-8A6E-464F-A494-8F8947F0E0B8}" dt="2020-11-10T01:36:12.828" v="8074" actId="2696"/>
+        <pc:sldMkLst>
+          <pc:docMk/>
+          <pc:sldMk cId="1108826147" sldId="348"/>
+        </pc:sldMkLst>
+        <pc:spChg chg="mod">
+          <ac:chgData name="Thao Hoang" userId="0e23db62feec2a5d" providerId="LiveId" clId="{60C8D979-8A6E-464F-A494-8F8947F0E0B8}" dt="2020-11-10T01:15:20.197" v="7831" actId="20577"/>
+          <ac:spMkLst>
+            <pc:docMk/>
+            <pc:sldMk cId="1108826147" sldId="348"/>
+            <ac:spMk id="15" creationId="{F1E73E71-38F6-4A8F-ACD8-3B889EBC13CC}"/>
+          </ac:spMkLst>
+        </pc:spChg>
+        <pc:picChg chg="del">
+          <ac:chgData name="Thao Hoang" userId="0e23db62feec2a5d" providerId="LiveId" clId="{60C8D979-8A6E-464F-A494-8F8947F0E0B8}" dt="2020-11-10T01:15:26.831" v="7832" actId="478"/>
+          <ac:picMkLst>
+            <pc:docMk/>
+            <pc:sldMk cId="1108826147" sldId="348"/>
+            <ac:picMk id="11" creationId="{7FAA0539-5B6B-4C9F-8EDD-5E9DD50417AF}"/>
+          </ac:picMkLst>
+        </pc:picChg>
+      </pc:sldChg>
+      <pc:sldChg chg="modSp add mod">
+        <pc:chgData name="Thao Hoang" userId="0e23db62feec2a5d" providerId="LiveId" clId="{60C8D979-8A6E-464F-A494-8F8947F0E0B8}" dt="2020-11-10T01:39:07.236" v="8160" actId="6549"/>
+        <pc:sldMkLst>
+          <pc:docMk/>
+          <pc:sldMk cId="4263459357" sldId="348"/>
+        </pc:sldMkLst>
+        <pc:spChg chg="mod">
+          <ac:chgData name="Thao Hoang" userId="0e23db62feec2a5d" providerId="LiveId" clId="{60C8D979-8A6E-464F-A494-8F8947F0E0B8}" dt="2020-11-10T01:39:07.236" v="8160" actId="6549"/>
+          <ac:spMkLst>
+            <pc:docMk/>
+            <pc:sldMk cId="4263459357" sldId="348"/>
+            <ac:spMk id="15" creationId="{F1E73E71-38F6-4A8F-ACD8-3B889EBC13CC}"/>
+          </ac:spMkLst>
+        </pc:spChg>
+      </pc:sldChg>
+      <pc:sldChg chg="addSp delSp modSp add mod">
+        <pc:chgData name="Thao Hoang" userId="0e23db62feec2a5d" providerId="LiveId" clId="{60C8D979-8A6E-464F-A494-8F8947F0E0B8}" dt="2020-11-10T01:34:06.935" v="8070" actId="20577"/>
+        <pc:sldMkLst>
+          <pc:docMk/>
+          <pc:sldMk cId="2738556209" sldId="349"/>
+        </pc:sldMkLst>
+        <pc:spChg chg="add mod">
+          <ac:chgData name="Thao Hoang" userId="0e23db62feec2a5d" providerId="LiveId" clId="{60C8D979-8A6E-464F-A494-8F8947F0E0B8}" dt="2020-11-10T01:33:37.476" v="8064" actId="1076"/>
+          <ac:spMkLst>
+            <pc:docMk/>
+            <pc:sldMk cId="2738556209" sldId="349"/>
+            <ac:spMk id="2" creationId="{16932396-1B3A-45F5-910C-CD1B105E541F}"/>
+          </ac:spMkLst>
+        </pc:spChg>
+        <pc:spChg chg="mod">
+          <ac:chgData name="Thao Hoang" userId="0e23db62feec2a5d" providerId="LiveId" clId="{60C8D979-8A6E-464F-A494-8F8947F0E0B8}" dt="2020-11-10T01:34:06.935" v="8070" actId="20577"/>
+          <ac:spMkLst>
+            <pc:docMk/>
+            <pc:sldMk cId="2738556209" sldId="349"/>
+            <ac:spMk id="13" creationId="{00000000-0000-0000-0000-000000000000}"/>
+          </ac:spMkLst>
+        </pc:spChg>
+        <pc:spChg chg="del mod">
+          <ac:chgData name="Thao Hoang" userId="0e23db62feec2a5d" providerId="LiveId" clId="{60C8D979-8A6E-464F-A494-8F8947F0E0B8}" dt="2020-11-10T01:29:39.642" v="7843" actId="478"/>
+          <ac:spMkLst>
+            <pc:docMk/>
+            <pc:sldMk cId="2738556209" sldId="349"/>
+            <ac:spMk id="15" creationId="{F1E73E71-38F6-4A8F-ACD8-3B889EBC13CC}"/>
+          </ac:spMkLst>
+        </pc:spChg>
+        <pc:picChg chg="del">
+          <ac:chgData name="Thao Hoang" userId="0e23db62feec2a5d" providerId="LiveId" clId="{60C8D979-8A6E-464F-A494-8F8947F0E0B8}" dt="2020-11-10T01:27:54.264" v="7834" actId="478"/>
+          <ac:picMkLst>
+            <pc:docMk/>
+            <pc:sldMk cId="2738556209" sldId="349"/>
+            <ac:picMk id="11" creationId="{7FAA0539-5B6B-4C9F-8EDD-5E9DD50417AF}"/>
+          </ac:picMkLst>
+        </pc:picChg>
+        <pc:picChg chg="add del mod">
+          <ac:chgData name="Thao Hoang" userId="0e23db62feec2a5d" providerId="LiveId" clId="{60C8D979-8A6E-464F-A494-8F8947F0E0B8}" dt="2020-11-10T01:31:04.477" v="7888" actId="478"/>
+          <ac:picMkLst>
+            <pc:docMk/>
+            <pc:sldMk cId="2738556209" sldId="349"/>
+            <ac:picMk id="1026" creationId="{7D0871BA-F249-465F-9D64-19495D06F4BC}"/>
+          </ac:picMkLst>
+        </pc:picChg>
+        <pc:picChg chg="add mod">
+          <ac:chgData name="Thao Hoang" userId="0e23db62feec2a5d" providerId="LiveId" clId="{60C8D979-8A6E-464F-A494-8F8947F0E0B8}" dt="2020-11-10T01:31:30.256" v="7894" actId="1076"/>
+          <ac:picMkLst>
+            <pc:docMk/>
+            <pc:sldMk cId="2738556209" sldId="349"/>
+            <ac:picMk id="1028" creationId="{53AC5B20-DB09-4DBF-ABBE-6D0BC1346F50}"/>
           </ac:picMkLst>
         </pc:picChg>
       </pc:sldChg>
@@ -7805,7 +7986,7 @@
       </p:grpSpPr>
       <p:sp>
         <p:nvSpPr>
-          <p:cNvPr id="2" name="Title 1"/>
+          <p:cNvPr id="13" name="Title 12"/>
           <p:cNvSpPr>
             <a:spLocks noGrp="1"/>
           </p:cNvSpPr>
@@ -7820,150 +8001,22 @@
           <a:p>
             <a:r>
               <a:rPr lang="en-US" dirty="0"/>
-              <a:t>Findings Summary</a:t>
-            </a:r>
-          </a:p>
-        </p:txBody>
-      </p:sp>
-      <p:sp>
-        <p:nvSpPr>
-          <p:cNvPr id="7" name="Text Placeholder 6"/>
-          <p:cNvSpPr>
-            <a:spLocks noGrp="1"/>
-          </p:cNvSpPr>
-          <p:nvPr>
-            <p:ph type="body" idx="1"/>
-          </p:nvPr>
-        </p:nvSpPr>
-        <p:spPr>
-          <a:xfrm>
-            <a:off x="1522412" y="1828800"/>
-            <a:ext cx="5508103" cy="4408512"/>
-          </a:xfrm>
-        </p:spPr>
-        <p:txBody>
-          <a:bodyPr/>
-          <a:lstStyle/>
-          <a:p>
-            <a:pPr marL="285750" indent="-285750">
-              <a:buFont typeface="Arial" panose="020B0604020202020204" pitchFamily="34" charset="0"/>
-              <a:buChar char="•"/>
-            </a:pPr>
-            <a:r>
-              <a:rPr lang="en-US" sz="1800" dirty="0"/>
-              <a:t>Energy and the Economics</a:t>
-            </a:r>
-          </a:p>
-          <a:p>
-            <a:pPr marL="742950" lvl="1" indent="-285750">
-              <a:buFont typeface="Wingdings" panose="05000000000000000000" pitchFamily="2" charset="2"/>
-              <a:buChar char="Ø"/>
-            </a:pPr>
-            <a:r>
-              <a:rPr lang="en-US" sz="1400" dirty="0">
-                <a:highlight>
-                  <a:srgbClr val="FFFF00"/>
-                </a:highlight>
-              </a:rPr>
-              <a:t>____Finding 1_____</a:t>
-            </a:r>
-          </a:p>
-          <a:p>
-            <a:pPr marL="742950" lvl="1" indent="-285750">
-              <a:buFont typeface="Wingdings" panose="05000000000000000000" pitchFamily="2" charset="2"/>
-              <a:buChar char="Ø"/>
-            </a:pPr>
-            <a:endParaRPr lang="en-US" sz="1400" dirty="0"/>
-          </a:p>
-          <a:p>
-            <a:pPr marL="285750" indent="-285750">
-              <a:buFont typeface="Arial" panose="020B0604020202020204" pitchFamily="34" charset="0"/>
-              <a:buChar char="•"/>
-            </a:pPr>
-            <a:endParaRPr lang="en-US" sz="1800" dirty="0"/>
-          </a:p>
-          <a:p>
-            <a:pPr marL="285750" indent="-285750">
-              <a:buFont typeface="Arial" panose="020B0604020202020204" pitchFamily="34" charset="0"/>
-              <a:buChar char="•"/>
-            </a:pPr>
-            <a:r>
-              <a:rPr lang="en-US" sz="1800" dirty="0"/>
-              <a:t>Oil Exports and Dollar Strengths</a:t>
-            </a:r>
-          </a:p>
-          <a:p>
-            <a:pPr marL="742950" lvl="1" indent="-285750">
-              <a:buFont typeface="Wingdings" panose="05000000000000000000" pitchFamily="2" charset="2"/>
-              <a:buChar char="Ø"/>
-            </a:pPr>
-            <a:r>
-              <a:rPr lang="en-US" sz="1400" dirty="0">
-                <a:highlight>
-                  <a:srgbClr val="FFFF00"/>
-                </a:highlight>
-              </a:rPr>
-              <a:t>____Finding 2_____</a:t>
-            </a:r>
-          </a:p>
-          <a:p>
-            <a:pPr marL="742950" lvl="1" indent="-285750">
-              <a:buFont typeface="Arial" panose="020B0604020202020204" pitchFamily="34" charset="0"/>
-              <a:buChar char="•"/>
-            </a:pPr>
-            <a:endParaRPr lang="en-US" sz="1400" dirty="0"/>
-          </a:p>
-          <a:p>
-            <a:pPr marL="285750" indent="-285750">
-              <a:buFont typeface="Arial" panose="020B0604020202020204" pitchFamily="34" charset="0"/>
-              <a:buChar char="•"/>
-            </a:pPr>
-            <a:endParaRPr lang="en-US" sz="1800" dirty="0"/>
-          </a:p>
-          <a:p>
-            <a:pPr marL="285750" indent="-285750">
-              <a:buFont typeface="Arial" panose="020B0604020202020204" pitchFamily="34" charset="0"/>
-              <a:buChar char="•"/>
-            </a:pPr>
-            <a:r>
-              <a:rPr lang="en-US" sz="1800" dirty="0"/>
-              <a:t>Future of Renewable Energy and Dollar Strengths</a:t>
-            </a:r>
-          </a:p>
-          <a:p>
-            <a:pPr marL="742950" lvl="1" indent="-285750">
-              <a:buFont typeface="Wingdings" panose="05000000000000000000" pitchFamily="2" charset="2"/>
-              <a:buChar char="Ø"/>
-            </a:pPr>
-            <a:r>
-              <a:rPr lang="en-US" sz="1400" dirty="0">
-                <a:highlight>
-                  <a:srgbClr val="FFFF00"/>
-                </a:highlight>
-              </a:rPr>
-              <a:t>____Finding 3_____</a:t>
-            </a:r>
-          </a:p>
-          <a:p>
-            <a:pPr marL="285750" indent="-285750">
-              <a:buFont typeface="Arial" panose="020B0604020202020204" pitchFamily="34" charset="0"/>
-              <a:buChar char="•"/>
-            </a:pPr>
-            <a:endParaRPr lang="en-US" sz="1800" dirty="0"/>
+              <a:t>Findings</a:t>
+            </a:r>
           </a:p>
         </p:txBody>
       </p:sp>
       <p:pic>
         <p:nvPicPr>
-          <p:cNvPr id="3" name="Picture 2" descr="Hope for the oil prices | Varchev Finance">
+          <p:cNvPr id="11" name="Picture 10" descr="Chart&#10;&#10;Description automatically generated">
             <a:extLst>
               <a:ext uri="{FF2B5EF4-FFF2-40B4-BE49-F238E27FC236}">
-                <a16:creationId xmlns:a16="http://schemas.microsoft.com/office/drawing/2014/main" id="{89E91A66-9CE6-485E-91A9-09675E3B950A}"/>
+                <a16:creationId xmlns:a16="http://schemas.microsoft.com/office/drawing/2014/main" id="{7FAA0539-5B6B-4C9F-8EDD-5E9DD50417AF}"/>
               </a:ext>
             </a:extLst>
           </p:cNvPr>
           <p:cNvPicPr>
-            <a:picLocks noChangeAspect="1" noChangeArrowheads="1"/>
+            <a:picLocks noChangeAspect="1"/>
           </p:cNvPicPr>
           <p:nvPr/>
         </p:nvPicPr>
@@ -7975,35 +8028,107 @@
               </a:ext>
             </a:extLst>
           </a:blip>
-          <a:srcRect/>
           <a:stretch>
             <a:fillRect/>
           </a:stretch>
         </p:blipFill>
-        <p:spPr bwMode="auto">
+        <p:spPr>
           <a:xfrm>
-            <a:off x="7102524" y="2708920"/>
-            <a:ext cx="4058897" cy="3044173"/>
+            <a:off x="4510236" y="1916832"/>
+            <a:ext cx="6841976" cy="4561318"/>
+          </a:xfrm>
+          <a:prstGeom prst="rect">
+            <a:avLst/>
+          </a:prstGeom>
+        </p:spPr>
+      </p:pic>
+      <p:sp>
+        <p:nvSpPr>
+          <p:cNvPr id="15" name="TextBox 14">
+            <a:extLst>
+              <a:ext uri="{FF2B5EF4-FFF2-40B4-BE49-F238E27FC236}">
+                <a16:creationId xmlns:a16="http://schemas.microsoft.com/office/drawing/2014/main" id="{F1E73E71-38F6-4A8F-ACD8-3B889EBC13CC}"/>
+              </a:ext>
+            </a:extLst>
+          </p:cNvPr>
+          <p:cNvSpPr txBox="1"/>
+          <p:nvPr/>
+        </p:nvSpPr>
+        <p:spPr>
+          <a:xfrm>
+            <a:off x="1522413" y="2132856"/>
+            <a:ext cx="2843807" cy="3046988"/>
           </a:xfrm>
           <a:prstGeom prst="rect">
             <a:avLst/>
           </a:prstGeom>
           <a:noFill/>
-          <a:extLst>
-            <a:ext uri="{909E8E84-426E-40DD-AFC4-6F175D3DCCD1}">
-              <a14:hiddenFill xmlns:a14="http://schemas.microsoft.com/office/drawing/2010/main">
-                <a:solidFill>
-                  <a:srgbClr val="FFFFFF"/>
-                </a:solidFill>
-              </a14:hiddenFill>
-            </a:ext>
-          </a:extLst>
         </p:spPr>
-      </p:pic>
+        <p:txBody>
+          <a:bodyPr wrap="square" rtlCol="0">
+            <a:spAutoFit/>
+          </a:bodyPr>
+          <a:lstStyle/>
+          <a:p>
+            <a:pPr algn="ctr"/>
+            <a:r>
+              <a:rPr lang="en-CA" sz="1600" b="1" u="sng" dirty="0"/>
+              <a:t>US Crude Export vs. $$$</a:t>
+            </a:r>
+          </a:p>
+          <a:p>
+            <a:endParaRPr lang="en-CA" sz="1600" dirty="0"/>
+          </a:p>
+          <a:p>
+            <a:pPr marL="285750" indent="-285750">
+              <a:buFontTx/>
+              <a:buChar char="-"/>
+            </a:pPr>
+            <a:r>
+              <a:rPr lang="en-CA" sz="1600" dirty="0"/>
+              <a:t>Crude export from US ↑ in the past 15 years</a:t>
+            </a:r>
+          </a:p>
+          <a:p>
+            <a:pPr marL="285750" indent="-285750">
+              <a:buFontTx/>
+              <a:buChar char="-"/>
+            </a:pPr>
+            <a:endParaRPr lang="en-CA" sz="1600" dirty="0"/>
+          </a:p>
+          <a:p>
+            <a:pPr marL="285750" indent="-285750">
+              <a:buFontTx/>
+              <a:buChar char="-"/>
+            </a:pPr>
+            <a:r>
+              <a:rPr lang="en-CA" sz="1600" dirty="0"/>
+              <a:t>No direct correlation with USD dollar Index</a:t>
+            </a:r>
+          </a:p>
+          <a:p>
+            <a:pPr marL="285750" indent="-285750">
+              <a:buFontTx/>
+              <a:buChar char="-"/>
+            </a:pPr>
+            <a:endParaRPr lang="en-CA" sz="1600" dirty="0"/>
+          </a:p>
+          <a:p>
+            <a:pPr marL="285750" indent="-285750">
+              <a:buFontTx/>
+              <a:buChar char="-"/>
+            </a:pPr>
+            <a:r>
+              <a:rPr lang="en-CA" sz="1600" dirty="0"/>
+              <a:t>GDP from Crude Export does not have the same pattern with US Crude Export</a:t>
+            </a:r>
+          </a:p>
+        </p:txBody>
+      </p:sp>
     </p:spTree>
     <p:extLst>
       <p:ext uri="{BB962C8B-B14F-4D97-AF65-F5344CB8AC3E}">
-        <p14:creationId xmlns:p14="http://schemas.microsoft.com/office/powerpoint/2010/main" val="1323540891"/>
+        <p14:creationId xmlns:p14="http://schemas.microsoft.com/office/powerpoint/2010/main" val="2193902762"/>
       </p:ext>
     </p:extLst>
   </p:cSld>
@@ -8064,10 +8189,93 @@
           </a:p>
         </p:txBody>
       </p:sp>
+      <p:sp>
+        <p:nvSpPr>
+          <p:cNvPr id="15" name="TextBox 14">
+            <a:extLst>
+              <a:ext uri="{FF2B5EF4-FFF2-40B4-BE49-F238E27FC236}">
+                <a16:creationId xmlns:a16="http://schemas.microsoft.com/office/drawing/2014/main" id="{F1E73E71-38F6-4A8F-ACD8-3B889EBC13CC}"/>
+              </a:ext>
+            </a:extLst>
+          </p:cNvPr>
+          <p:cNvSpPr txBox="1"/>
+          <p:nvPr/>
+        </p:nvSpPr>
+        <p:spPr>
+          <a:xfrm>
+            <a:off x="1522413" y="2132856"/>
+            <a:ext cx="2843807" cy="3046988"/>
+          </a:xfrm>
+          <a:prstGeom prst="rect">
+            <a:avLst/>
+          </a:prstGeom>
+          <a:noFill/>
+        </p:spPr>
+        <p:txBody>
+          <a:bodyPr wrap="square" rtlCol="0">
+            <a:spAutoFit/>
+          </a:bodyPr>
+          <a:lstStyle/>
+          <a:p>
+            <a:pPr algn="ctr"/>
+            <a:r>
+              <a:rPr lang="en-CA" sz="1600" b="1" u="sng" dirty="0"/>
+              <a:t>CA Crude Export vs. Economy</a:t>
+            </a:r>
+          </a:p>
+          <a:p>
+            <a:endParaRPr lang="en-CA" sz="1600" dirty="0"/>
+          </a:p>
+          <a:p>
+            <a:pPr marL="285750" indent="-285750">
+              <a:buFontTx/>
+              <a:buChar char="-"/>
+            </a:pPr>
+            <a:r>
+              <a:rPr lang="en-CA" sz="1600" dirty="0"/>
+              <a:t>Crude export from CA ↑ in the past 15 years</a:t>
+            </a:r>
+          </a:p>
+          <a:p>
+            <a:pPr marL="285750" indent="-285750">
+              <a:buFontTx/>
+              <a:buChar char="-"/>
+            </a:pPr>
+            <a:endParaRPr lang="en-CA" sz="1600" dirty="0"/>
+          </a:p>
+          <a:p>
+            <a:pPr marL="285750" indent="-285750">
+              <a:buFontTx/>
+              <a:buChar char="-"/>
+            </a:pPr>
+            <a:r>
+              <a:rPr lang="en-CA" sz="1600" dirty="0"/>
+              <a:t>No direct correlation with CAD/ USD exchange rate</a:t>
+            </a:r>
+          </a:p>
+          <a:p>
+            <a:pPr marL="285750" indent="-285750">
+              <a:buFontTx/>
+              <a:buChar char="-"/>
+            </a:pPr>
+            <a:endParaRPr lang="en-CA" sz="1600" dirty="0"/>
+          </a:p>
+          <a:p>
+            <a:pPr marL="285750" indent="-285750">
+              <a:buFontTx/>
+              <a:buChar char="-"/>
+            </a:pPr>
+            <a:r>
+              <a:rPr lang="en-CA" sz="1600" dirty="0"/>
+              <a:t>GDP from Crude Export have similar trend with Crude export</a:t>
+            </a:r>
+          </a:p>
+        </p:txBody>
+      </p:sp>
     </p:spTree>
     <p:extLst>
       <p:ext uri="{BB962C8B-B14F-4D97-AF65-F5344CB8AC3E}">
-        <p14:creationId xmlns:p14="http://schemas.microsoft.com/office/powerpoint/2010/main" val="2193902762"/>
+        <p14:creationId xmlns:p14="http://schemas.microsoft.com/office/powerpoint/2010/main" val="4263459357"/>
       </p:ext>
     </p:extLst>
   </p:cSld>
@@ -8108,7 +8316,7 @@
       </p:grpSpPr>
       <p:sp>
         <p:nvSpPr>
-          <p:cNvPr id="2" name="Title 1"/>
+          <p:cNvPr id="13" name="Title 12"/>
           <p:cNvSpPr>
             <a:spLocks noGrp="1"/>
           </p:cNvSpPr>
@@ -8123,48 +8331,137 @@
           <a:p>
             <a:r>
               <a:rPr lang="en-US" dirty="0"/>
-              <a:t>Findings Implications</a:t>
+              <a:t>Findings </a:t>
             </a:r>
           </a:p>
         </p:txBody>
       </p:sp>
+      <p:pic>
+        <p:nvPicPr>
+          <p:cNvPr id="1028" name="Picture 4">
+            <a:extLst>
+              <a:ext uri="{FF2B5EF4-FFF2-40B4-BE49-F238E27FC236}">
+                <a16:creationId xmlns:a16="http://schemas.microsoft.com/office/drawing/2014/main" id="{53AC5B20-DB09-4DBF-ABBE-6D0BC1346F50}"/>
+              </a:ext>
+            </a:extLst>
+          </p:cNvPr>
+          <p:cNvPicPr>
+            <a:picLocks noChangeAspect="1" noChangeArrowheads="1"/>
+          </p:cNvPicPr>
+          <p:nvPr/>
+        </p:nvPicPr>
+        <p:blipFill>
+          <a:blip r:embed="rId2">
+            <a:extLst>
+              <a:ext uri="{28A0092B-C50C-407E-A947-70E740481C1C}">
+                <a14:useLocalDpi xmlns:a14="http://schemas.microsoft.com/office/drawing/2010/main" val="0"/>
+              </a:ext>
+            </a:extLst>
+          </a:blip>
+          <a:srcRect/>
+          <a:stretch>
+            <a:fillRect/>
+          </a:stretch>
+        </p:blipFill>
+        <p:spPr bwMode="auto">
+          <a:xfrm>
+            <a:off x="4726260" y="2132856"/>
+            <a:ext cx="7226984" cy="3744416"/>
+          </a:xfrm>
+          <a:prstGeom prst="rect">
+            <a:avLst/>
+          </a:prstGeom>
+          <a:noFill/>
+          <a:extLst>
+            <a:ext uri="{909E8E84-426E-40DD-AFC4-6F175D3DCCD1}">
+              <a14:hiddenFill xmlns:a14="http://schemas.microsoft.com/office/drawing/2010/main">
+                <a:solidFill>
+                  <a:srgbClr val="FFFFFF"/>
+                </a:solidFill>
+              </a14:hiddenFill>
+            </a:ext>
+          </a:extLst>
+        </p:spPr>
+      </p:pic>
       <p:sp>
         <p:nvSpPr>
-          <p:cNvPr id="3" name="Content Placeholder 2"/>
-          <p:cNvSpPr>
-            <a:spLocks noGrp="1"/>
-          </p:cNvSpPr>
-          <p:nvPr>
-            <p:ph sz="half" idx="1"/>
-          </p:nvPr>
+          <p:cNvPr id="2" name="TextBox 1">
+            <a:extLst>
+              <a:ext uri="{FF2B5EF4-FFF2-40B4-BE49-F238E27FC236}">
+                <a16:creationId xmlns:a16="http://schemas.microsoft.com/office/drawing/2014/main" id="{16932396-1B3A-45F5-910C-CD1B105E541F}"/>
+              </a:ext>
+            </a:extLst>
+          </p:cNvPr>
+          <p:cNvSpPr txBox="1"/>
+          <p:nvPr/>
         </p:nvSpPr>
         <p:spPr>
           <a:xfrm>
-            <a:off x="1488168" y="1984248"/>
-            <a:ext cx="9829798" cy="4187952"/>
+            <a:off x="1522413" y="2636912"/>
+            <a:ext cx="2843807" cy="2554545"/>
           </a:xfrm>
+          <a:prstGeom prst="rect">
+            <a:avLst/>
+          </a:prstGeom>
+          <a:noFill/>
         </p:spPr>
         <p:txBody>
-          <a:bodyPr>
-            <a:normAutofit/>
+          <a:bodyPr wrap="square" rtlCol="0">
+            <a:spAutoFit/>
           </a:bodyPr>
           <a:lstStyle/>
           <a:p>
-            <a:r>
-              <a:rPr lang="en-US" sz="1800" dirty="0"/>
-              <a:t>Discuss your findings. </a:t>
-            </a:r>
-          </a:p>
-          <a:p>
-            <a:r>
-              <a:rPr lang="en-US" sz="1800" dirty="0"/>
-              <a:t>Did you find what you expected to find? </a:t>
-            </a:r>
-          </a:p>
-          <a:p>
-            <a:r>
-              <a:rPr lang="en-US" sz="1800" dirty="0"/>
-              <a:t>If not, why not? What inferences or general conclusions can you draw from your analysis?</a:t>
+            <a:pPr algn="ctr"/>
+            <a:r>
+              <a:rPr lang="en-CA" sz="1600" b="1" u="sng" dirty="0"/>
+              <a:t>US Electricity vs. Economy</a:t>
+            </a:r>
+          </a:p>
+          <a:p>
+            <a:endParaRPr lang="en-CA" sz="1600" dirty="0"/>
+          </a:p>
+          <a:p>
+            <a:pPr marL="285750" indent="-285750">
+              <a:buFontTx/>
+              <a:buChar char="-"/>
+            </a:pPr>
+            <a:r>
+              <a:rPr lang="en-CA" sz="1600" dirty="0"/>
+              <a:t>Electricity from fuels decreases</a:t>
+            </a:r>
+          </a:p>
+          <a:p>
+            <a:pPr marL="285750" indent="-285750">
+              <a:buFontTx/>
+              <a:buChar char="-"/>
+            </a:pPr>
+            <a:endParaRPr lang="en-CA" sz="1600" dirty="0"/>
+          </a:p>
+          <a:p>
+            <a:pPr marL="285750" indent="-285750">
+              <a:buFontTx/>
+              <a:buChar char="-"/>
+            </a:pPr>
+            <a:r>
+              <a:rPr lang="en-CA" sz="1600" dirty="0"/>
+              <a:t>Electricity from renewable energy sources increases</a:t>
+            </a:r>
+          </a:p>
+          <a:p>
+            <a:pPr marL="285750" indent="-285750">
+              <a:buFontTx/>
+              <a:buChar char="-"/>
+            </a:pPr>
+            <a:endParaRPr lang="en-CA" sz="1600" dirty="0"/>
+          </a:p>
+          <a:p>
+            <a:pPr marL="285750" indent="-285750">
+              <a:buFontTx/>
+              <a:buChar char="-"/>
+            </a:pPr>
+            <a:r>
+              <a:rPr lang="en-CA" sz="1600" dirty="0"/>
+              <a:t>No direct correlation with US Dollars Index</a:t>
             </a:r>
           </a:p>
         </p:txBody>
@@ -8172,20 +8469,20 @@
     </p:spTree>
     <p:extLst>
       <p:ext uri="{BB962C8B-B14F-4D97-AF65-F5344CB8AC3E}">
-        <p14:creationId xmlns:p14="http://schemas.microsoft.com/office/powerpoint/2010/main" val="1447595293"/>
+        <p14:creationId xmlns:p14="http://schemas.microsoft.com/office/powerpoint/2010/main" val="2738556209"/>
       </p:ext>
     </p:extLst>
   </p:cSld>
   <p:clrMapOvr>
     <a:masterClrMapping/>
   </p:clrMapOvr>
-  <mc:AlternateContent xmlns:mc="http://schemas.openxmlformats.org/markup-compatibility/2006" xmlns:p14="http://schemas.microsoft.com/office/powerpoint/2010/main">
-    <mc:Choice Requires="p14">
+  <mc:AlternateContent xmlns:mc="http://schemas.openxmlformats.org/markup-compatibility/2006">
+    <mc:Choice xmlns:p14="http://schemas.microsoft.com/office/powerpoint/2010/main" Requires="p14">
       <p:transition spd="med" p14:dur="700">
         <p:fade/>
       </p:transition>
     </mc:Choice>
-    <mc:Fallback xmlns="">
+    <mc:Fallback>
       <p:transition spd="med">
         <p:fade/>
       </p:transition>
@@ -8228,6 +8525,111 @@
           <a:p>
             <a:r>
               <a:rPr lang="en-US" dirty="0"/>
+              <a:t>Findings Implications</a:t>
+            </a:r>
+          </a:p>
+        </p:txBody>
+      </p:sp>
+      <p:sp>
+        <p:nvSpPr>
+          <p:cNvPr id="3" name="Content Placeholder 2"/>
+          <p:cNvSpPr>
+            <a:spLocks noGrp="1"/>
+          </p:cNvSpPr>
+          <p:nvPr>
+            <p:ph sz="half" idx="1"/>
+          </p:nvPr>
+        </p:nvSpPr>
+        <p:spPr>
+          <a:xfrm>
+            <a:off x="1488168" y="1984248"/>
+            <a:ext cx="9829798" cy="4187952"/>
+          </a:xfrm>
+        </p:spPr>
+        <p:txBody>
+          <a:bodyPr>
+            <a:normAutofit/>
+          </a:bodyPr>
+          <a:lstStyle/>
+          <a:p>
+            <a:r>
+              <a:rPr lang="en-US" sz="1800" dirty="0"/>
+              <a:t>Discuss your findings. </a:t>
+            </a:r>
+          </a:p>
+          <a:p>
+            <a:r>
+              <a:rPr lang="en-US" sz="1800" dirty="0"/>
+              <a:t>Did you find what you expected to find? </a:t>
+            </a:r>
+          </a:p>
+          <a:p>
+            <a:r>
+              <a:rPr lang="en-US" sz="1800" dirty="0"/>
+              <a:t>If not, why not? What inferences or general conclusions can you draw from your analysis?</a:t>
+            </a:r>
+          </a:p>
+        </p:txBody>
+      </p:sp>
+    </p:spTree>
+    <p:extLst>
+      <p:ext uri="{BB962C8B-B14F-4D97-AF65-F5344CB8AC3E}">
+        <p14:creationId xmlns:p14="http://schemas.microsoft.com/office/powerpoint/2010/main" val="1447595293"/>
+      </p:ext>
+    </p:extLst>
+  </p:cSld>
+  <p:clrMapOvr>
+    <a:masterClrMapping/>
+  </p:clrMapOvr>
+  <mc:AlternateContent xmlns:mc="http://schemas.openxmlformats.org/markup-compatibility/2006" xmlns:p14="http://schemas.microsoft.com/office/powerpoint/2010/main">
+    <mc:Choice Requires="p14">
+      <p:transition spd="med" p14:dur="700">
+        <p:fade/>
+      </p:transition>
+    </mc:Choice>
+    <mc:Fallback xmlns="">
+      <p:transition spd="med">
+        <p:fade/>
+      </p:transition>
+    </mc:Fallback>
+  </mc:AlternateContent>
+</p:sld>
+</file>
+
+<file path=ppt/slides/slide15.xml><?xml version="1.0" encoding="utf-8"?>
+<p:sld xmlns:a="http://schemas.openxmlformats.org/drawingml/2006/main" xmlns:r="http://schemas.openxmlformats.org/officeDocument/2006/relationships" xmlns:p="http://schemas.openxmlformats.org/presentationml/2006/main">
+  <p:cSld>
+    <p:spTree>
+      <p:nvGrpSpPr>
+        <p:cNvPr id="1" name=""/>
+        <p:cNvGrpSpPr/>
+        <p:nvPr/>
+      </p:nvGrpSpPr>
+      <p:grpSpPr>
+        <a:xfrm>
+          <a:off x="0" y="0"/>
+          <a:ext cx="0" cy="0"/>
+          <a:chOff x="0" y="0"/>
+          <a:chExt cx="0" cy="0"/>
+        </a:xfrm>
+      </p:grpSpPr>
+      <p:sp>
+        <p:nvSpPr>
+          <p:cNvPr id="2" name="Title 1"/>
+          <p:cNvSpPr>
+            <a:spLocks noGrp="1"/>
+          </p:cNvSpPr>
+          <p:nvPr>
+            <p:ph type="title"/>
+          </p:nvPr>
+        </p:nvSpPr>
+        <p:spPr/>
+        <p:txBody>
+          <a:bodyPr/>
+          <a:lstStyle/>
+          <a:p>
+            <a:r>
+              <a:rPr lang="en-US" dirty="0"/>
               <a:t>Next steps</a:t>
             </a:r>
           </a:p>
@@ -8287,7 +8689,7 @@
 </p:sld>
 </file>
 
-<file path=ppt/slides/slide15.xml><?xml version="1.0" encoding="utf-8"?>
+<file path=ppt/slides/slide16.xml><?xml version="1.0" encoding="utf-8"?>
 <p:sld xmlns:a="http://schemas.openxmlformats.org/drawingml/2006/main" xmlns:r="http://schemas.openxmlformats.org/officeDocument/2006/relationships" xmlns:p="http://schemas.openxmlformats.org/presentationml/2006/main">
   <p:cSld>
     <p:spTree>
@@ -8573,7 +8975,7 @@
             </a:pPr>
             <a:r>
               <a:rPr lang="en-US" sz="1800" dirty="0"/>
-              <a:t>Canadian Energy and the Economics</a:t>
+              <a:t>Energy and the Economics</a:t>
             </a:r>
           </a:p>
           <a:p>
@@ -8607,7 +9009,7 @@
             </a:pPr>
             <a:r>
               <a:rPr lang="en-US" sz="1800" dirty="0"/>
-              <a:t>Future of Canadian Renewable Energy and Dollar Strengths</a:t>
+              <a:t>Future of Renewable Energy and Dollar Strengths</a:t>
             </a:r>
           </a:p>
         </p:txBody>
@@ -9081,7 +9483,7 @@
             </a:r>
             <a:r>
               <a:rPr lang="en-CA" sz="2400" b="0" dirty="0"/>
-              <a:t> oil export volume to Canadian economics (e.g. GDP).</a:t>
+              <a:t> oil export volume to the economics (e.g. GDP).</a:t>
             </a:r>
           </a:p>
           <a:p>

--- a/Project 1.pptx
+++ b/Project 1.pptx
@@ -214,6 +214,7 @@
 <p1510:revInfo xmlns:a="http://schemas.openxmlformats.org/drawingml/2006/main" xmlns:r="http://schemas.openxmlformats.org/officeDocument/2006/relationships" xmlns:p1510="http://schemas.microsoft.com/office/powerpoint/2015/10/main">
   <p1510:revLst>
     <p1510:client id="{60C8D979-8A6E-464F-A494-8F8947F0E0B8}" v="1042" dt="2020-11-10T01:36:15.591"/>
+    <p1510:client id="{936E1770-A19F-4809-B570-EE7451CB7B38}" v="16" dt="2020-11-11T00:45:15.937"/>
   </p1510:revLst>
 </p1510:revInfo>
 </file>
@@ -1504,6 +1505,205 @@
             <ac:picMk id="1028" creationId="{53AC5B20-DB09-4DBF-ABBE-6D0BC1346F50}"/>
           </ac:picMkLst>
         </pc:picChg>
+      </pc:sldChg>
+    </pc:docChg>
+  </pc:docChgLst>
+  <pc:docChgLst>
+    <pc:chgData name="Thao Hoang" userId="0e23db62feec2a5d" providerId="LiveId" clId="{936E1770-A19F-4809-B570-EE7451CB7B38}"/>
+    <pc:docChg chg="custSel modSld">
+      <pc:chgData name="Thao Hoang" userId="0e23db62feec2a5d" providerId="LiveId" clId="{936E1770-A19F-4809-B570-EE7451CB7B38}" dt="2020-11-11T00:45:28.099" v="875" actId="14100"/>
+      <pc:docMkLst>
+        <pc:docMk/>
+      </pc:docMkLst>
+      <pc:sldChg chg="addSp delSp modSp mod">
+        <pc:chgData name="Thao Hoang" userId="0e23db62feec2a5d" providerId="LiveId" clId="{936E1770-A19F-4809-B570-EE7451CB7B38}" dt="2020-11-11T00:45:28.099" v="875" actId="14100"/>
+        <pc:sldMkLst>
+          <pc:docMk/>
+          <pc:sldMk cId="2193902762" sldId="330"/>
+        </pc:sldMkLst>
+        <pc:spChg chg="add del mod">
+          <ac:chgData name="Thao Hoang" userId="0e23db62feec2a5d" providerId="LiveId" clId="{936E1770-A19F-4809-B570-EE7451CB7B38}" dt="2020-11-10T21:36:55.575" v="814" actId="478"/>
+          <ac:spMkLst>
+            <pc:docMk/>
+            <pc:sldMk cId="2193902762" sldId="330"/>
+            <ac:spMk id="2" creationId="{0D60AC05-CDD7-4802-BCA5-A8FBC6475EE9}"/>
+          </ac:spMkLst>
+        </pc:spChg>
+        <pc:spChg chg="add mod">
+          <ac:chgData name="Thao Hoang" userId="0e23db62feec2a5d" providerId="LiveId" clId="{936E1770-A19F-4809-B570-EE7451CB7B38}" dt="2020-11-10T21:30:08.524" v="474" actId="164"/>
+          <ac:spMkLst>
+            <pc:docMk/>
+            <pc:sldMk cId="2193902762" sldId="330"/>
+            <ac:spMk id="12" creationId="{6EF27F08-2027-4DBD-85AE-E0DA888CE360}"/>
+          </ac:spMkLst>
+        </pc:spChg>
+        <pc:spChg chg="add mod">
+          <ac:chgData name="Thao Hoang" userId="0e23db62feec2a5d" providerId="LiveId" clId="{936E1770-A19F-4809-B570-EE7451CB7B38}" dt="2020-11-10T21:30:08.524" v="474" actId="164"/>
+          <ac:spMkLst>
+            <pc:docMk/>
+            <pc:sldMk cId="2193902762" sldId="330"/>
+            <ac:spMk id="14" creationId="{9195A0E4-C7BD-4ADB-B770-750F1CCC7F5A}"/>
+          </ac:spMkLst>
+        </pc:spChg>
+        <pc:spChg chg="mod">
+          <ac:chgData name="Thao Hoang" userId="0e23db62feec2a5d" providerId="LiveId" clId="{936E1770-A19F-4809-B570-EE7451CB7B38}" dt="2020-11-10T21:36:10.631" v="813" actId="115"/>
+          <ac:spMkLst>
+            <pc:docMk/>
+            <pc:sldMk cId="2193902762" sldId="330"/>
+            <ac:spMk id="15" creationId="{F1E73E71-38F6-4A8F-ACD8-3B889EBC13CC}"/>
+          </ac:spMkLst>
+        </pc:spChg>
+        <pc:spChg chg="add del mod">
+          <ac:chgData name="Thao Hoang" userId="0e23db62feec2a5d" providerId="LiveId" clId="{936E1770-A19F-4809-B570-EE7451CB7B38}" dt="2020-11-10T23:18:13.890" v="834" actId="478"/>
+          <ac:spMkLst>
+            <pc:docMk/>
+            <pc:sldMk cId="2193902762" sldId="330"/>
+            <ac:spMk id="19" creationId="{76B4B209-A2D2-42A9-8728-EF6ABAC8DC4C}"/>
+          </ac:spMkLst>
+        </pc:spChg>
+        <pc:spChg chg="add del mod">
+          <ac:chgData name="Thao Hoang" userId="0e23db62feec2a5d" providerId="LiveId" clId="{936E1770-A19F-4809-B570-EE7451CB7B38}" dt="2020-11-10T23:18:12.007" v="833" actId="478"/>
+          <ac:spMkLst>
+            <pc:docMk/>
+            <pc:sldMk cId="2193902762" sldId="330"/>
+            <ac:spMk id="21" creationId="{FFB747F5-CBFA-48B1-83D0-47357ED590CE}"/>
+          </ac:spMkLst>
+        </pc:spChg>
+        <pc:grpChg chg="add mod">
+          <ac:chgData name="Thao Hoang" userId="0e23db62feec2a5d" providerId="LiveId" clId="{936E1770-A19F-4809-B570-EE7451CB7B38}" dt="2020-11-10T21:30:10.367" v="475" actId="164"/>
+          <ac:grpSpMkLst>
+            <pc:docMk/>
+            <pc:sldMk cId="2193902762" sldId="330"/>
+            <ac:grpSpMk id="16" creationId="{60299723-841A-4E30-83D8-58C6FB7FB57C}"/>
+          </ac:grpSpMkLst>
+        </pc:grpChg>
+        <pc:grpChg chg="add del mod">
+          <ac:chgData name="Thao Hoang" userId="0e23db62feec2a5d" providerId="LiveId" clId="{936E1770-A19F-4809-B570-EE7451CB7B38}" dt="2020-11-10T23:08:23.788" v="815" actId="478"/>
+          <ac:grpSpMkLst>
+            <pc:docMk/>
+            <pc:sldMk cId="2193902762" sldId="330"/>
+            <ac:grpSpMk id="17" creationId="{E9EC2616-8400-4EA9-90AE-8FB039FB7D76}"/>
+          </ac:grpSpMkLst>
+        </pc:grpChg>
+        <pc:picChg chg="add del mod">
+          <ac:chgData name="Thao Hoang" userId="0e23db62feec2a5d" providerId="LiveId" clId="{936E1770-A19F-4809-B570-EE7451CB7B38}" dt="2020-11-10T21:17:26.615" v="358" actId="478"/>
+          <ac:picMkLst>
+            <pc:docMk/>
+            <pc:sldMk cId="2193902762" sldId="330"/>
+            <ac:picMk id="4" creationId="{730A9EBE-E064-42F0-BDDC-80B9E1103FB4}"/>
+          </ac:picMkLst>
+        </pc:picChg>
+        <pc:picChg chg="add del mod">
+          <ac:chgData name="Thao Hoang" userId="0e23db62feec2a5d" providerId="LiveId" clId="{936E1770-A19F-4809-B570-EE7451CB7B38}" dt="2020-11-10T21:17:38.191" v="362" actId="478"/>
+          <ac:picMkLst>
+            <pc:docMk/>
+            <pc:sldMk cId="2193902762" sldId="330"/>
+            <ac:picMk id="6" creationId="{2DD1626B-29E0-4E7F-9323-CC8CF92954AC}"/>
+          </ac:picMkLst>
+        </pc:picChg>
+        <pc:picChg chg="add del mod">
+          <ac:chgData name="Thao Hoang" userId="0e23db62feec2a5d" providerId="LiveId" clId="{936E1770-A19F-4809-B570-EE7451CB7B38}" dt="2020-11-10T21:25:37.489" v="370" actId="478"/>
+          <ac:picMkLst>
+            <pc:docMk/>
+            <pc:sldMk cId="2193902762" sldId="330"/>
+            <ac:picMk id="8" creationId="{20A20298-9D19-4E40-A59B-62225428911F}"/>
+          </ac:picMkLst>
+        </pc:picChg>
+        <pc:picChg chg="add mod">
+          <ac:chgData name="Thao Hoang" userId="0e23db62feec2a5d" providerId="LiveId" clId="{936E1770-A19F-4809-B570-EE7451CB7B38}" dt="2020-11-10T21:30:10.367" v="475" actId="164"/>
+          <ac:picMkLst>
+            <pc:docMk/>
+            <pc:sldMk cId="2193902762" sldId="330"/>
+            <ac:picMk id="10" creationId="{9BC98256-D58F-4E21-90D7-68E7950EC702}"/>
+          </ac:picMkLst>
+        </pc:picChg>
+        <pc:picChg chg="del">
+          <ac:chgData name="Thao Hoang" userId="0e23db62feec2a5d" providerId="LiveId" clId="{936E1770-A19F-4809-B570-EE7451CB7B38}" dt="2020-11-10T21:04:31.709" v="216" actId="478"/>
+          <ac:picMkLst>
+            <pc:docMk/>
+            <pc:sldMk cId="2193902762" sldId="330"/>
+            <ac:picMk id="11" creationId="{7FAA0539-5B6B-4C9F-8EDD-5E9DD50417AF}"/>
+          </ac:picMkLst>
+        </pc:picChg>
+        <pc:picChg chg="add del mod">
+          <ac:chgData name="Thao Hoang" userId="0e23db62feec2a5d" providerId="LiveId" clId="{936E1770-A19F-4809-B570-EE7451CB7B38}" dt="2020-11-10T23:08:42.345" v="821" actId="478"/>
+          <ac:picMkLst>
+            <pc:docMk/>
+            <pc:sldMk cId="2193902762" sldId="330"/>
+            <ac:picMk id="23" creationId="{4969A0B0-36ED-43AF-BE39-A9D49097DF63}"/>
+          </ac:picMkLst>
+        </pc:picChg>
+        <pc:picChg chg="add del mod ord">
+          <ac:chgData name="Thao Hoang" userId="0e23db62feec2a5d" providerId="LiveId" clId="{936E1770-A19F-4809-B570-EE7451CB7B38}" dt="2020-11-11T00:09:47.103" v="835" actId="478"/>
+          <ac:picMkLst>
+            <pc:docMk/>
+            <pc:sldMk cId="2193902762" sldId="330"/>
+            <ac:picMk id="25" creationId="{D5E9E77B-2354-45B8-BBD2-49CFFE5822DF}"/>
+          </ac:picMkLst>
+        </pc:picChg>
+        <pc:picChg chg="add del mod">
+          <ac:chgData name="Thao Hoang" userId="0e23db62feec2a5d" providerId="LiveId" clId="{936E1770-A19F-4809-B570-EE7451CB7B38}" dt="2020-11-11T00:16:58.242" v="839" actId="478"/>
+          <ac:picMkLst>
+            <pc:docMk/>
+            <pc:sldMk cId="2193902762" sldId="330"/>
+            <ac:picMk id="27" creationId="{AF9D41D9-C066-4404-AB5A-D39F6D963A3B}"/>
+          </ac:picMkLst>
+        </pc:picChg>
+        <pc:picChg chg="add del mod">
+          <ac:chgData name="Thao Hoang" userId="0e23db62feec2a5d" providerId="LiveId" clId="{936E1770-A19F-4809-B570-EE7451CB7B38}" dt="2020-11-11T00:19:27.128" v="844" actId="478"/>
+          <ac:picMkLst>
+            <pc:docMk/>
+            <pc:sldMk cId="2193902762" sldId="330"/>
+            <ac:picMk id="29" creationId="{F91BFFFE-3A12-40DB-93BC-E0D4D638703E}"/>
+          </ac:picMkLst>
+        </pc:picChg>
+        <pc:picChg chg="add del mod">
+          <ac:chgData name="Thao Hoang" userId="0e23db62feec2a5d" providerId="LiveId" clId="{936E1770-A19F-4809-B570-EE7451CB7B38}" dt="2020-11-11T00:37:18.762" v="848" actId="478"/>
+          <ac:picMkLst>
+            <pc:docMk/>
+            <pc:sldMk cId="2193902762" sldId="330"/>
+            <ac:picMk id="31" creationId="{987E5F96-0410-44DC-9224-8AAA5E75A42B}"/>
+          </ac:picMkLst>
+        </pc:picChg>
+        <pc:picChg chg="add del mod">
+          <ac:chgData name="Thao Hoang" userId="0e23db62feec2a5d" providerId="LiveId" clId="{936E1770-A19F-4809-B570-EE7451CB7B38}" dt="2020-11-11T00:38:40.086" v="855" actId="478"/>
+          <ac:picMkLst>
+            <pc:docMk/>
+            <pc:sldMk cId="2193902762" sldId="330"/>
+            <ac:picMk id="33" creationId="{1FF9AB71-75E8-48BF-84CB-2AEB91C41C68}"/>
+          </ac:picMkLst>
+        </pc:picChg>
+        <pc:picChg chg="add del mod">
+          <ac:chgData name="Thao Hoang" userId="0e23db62feec2a5d" providerId="LiveId" clId="{936E1770-A19F-4809-B570-EE7451CB7B38}" dt="2020-11-11T00:45:07.392" v="869" actId="478"/>
+          <ac:picMkLst>
+            <pc:docMk/>
+            <pc:sldMk cId="2193902762" sldId="330"/>
+            <ac:picMk id="35" creationId="{D0F2547A-11E5-4D34-B071-1BDE6CAFCF91}"/>
+          </ac:picMkLst>
+        </pc:picChg>
+        <pc:picChg chg="add mod">
+          <ac:chgData name="Thao Hoang" userId="0e23db62feec2a5d" providerId="LiveId" clId="{936E1770-A19F-4809-B570-EE7451CB7B38}" dt="2020-11-11T00:45:28.099" v="875" actId="14100"/>
+          <ac:picMkLst>
+            <pc:docMk/>
+            <pc:sldMk cId="2193902762" sldId="330"/>
+            <ac:picMk id="37" creationId="{87D7BC94-D137-4FEC-A03F-6AA291881FD5}"/>
+          </ac:picMkLst>
+        </pc:picChg>
+      </pc:sldChg>
+      <pc:sldChg chg="modSp mod">
+        <pc:chgData name="Thao Hoang" userId="0e23db62feec2a5d" providerId="LiveId" clId="{936E1770-A19F-4809-B570-EE7451CB7B38}" dt="2020-11-10T02:19:48.473" v="115" actId="20577"/>
+        <pc:sldMkLst>
+          <pc:docMk/>
+          <pc:sldMk cId="2738556209" sldId="349"/>
+        </pc:sldMkLst>
+        <pc:spChg chg="mod">
+          <ac:chgData name="Thao Hoang" userId="0e23db62feec2a5d" providerId="LiveId" clId="{936E1770-A19F-4809-B570-EE7451CB7B38}" dt="2020-11-10T02:19:48.473" v="115" actId="20577"/>
+          <ac:spMkLst>
+            <pc:docMk/>
+            <pc:sldMk cId="2738556209" sldId="349"/>
+            <ac:spMk id="2" creationId="{16932396-1B3A-45F5-910C-CD1B105E541F}"/>
+          </ac:spMkLst>
+        </pc:spChg>
       </pc:sldChg>
     </pc:docChg>
   </pc:docChgLst>
@@ -8006,12 +8206,79 @@
           </a:p>
         </p:txBody>
       </p:sp>
+      <p:sp>
+        <p:nvSpPr>
+          <p:cNvPr id="15" name="TextBox 14">
+            <a:extLst>
+              <a:ext uri="{FF2B5EF4-FFF2-40B4-BE49-F238E27FC236}">
+                <a16:creationId xmlns:a16="http://schemas.microsoft.com/office/drawing/2014/main" id="{F1E73E71-38F6-4A8F-ACD8-3B889EBC13CC}"/>
+              </a:ext>
+            </a:extLst>
+          </p:cNvPr>
+          <p:cNvSpPr txBox="1"/>
+          <p:nvPr/>
+        </p:nvSpPr>
+        <p:spPr>
+          <a:xfrm>
+            <a:off x="1522413" y="2132856"/>
+            <a:ext cx="2843807" cy="3293209"/>
+          </a:xfrm>
+          <a:prstGeom prst="rect">
+            <a:avLst/>
+          </a:prstGeom>
+          <a:noFill/>
+        </p:spPr>
+        <p:txBody>
+          <a:bodyPr wrap="square" rtlCol="0">
+            <a:spAutoFit/>
+          </a:bodyPr>
+          <a:lstStyle/>
+          <a:p>
+            <a:r>
+              <a:rPr lang="en-CA" sz="1600" dirty="0"/>
+              <a:t>- US was not a crude exporter until recent years (2014+)</a:t>
+            </a:r>
+          </a:p>
+          <a:p>
+            <a:pPr marL="285750" indent="-285750">
+              <a:buFontTx/>
+              <a:buChar char="-"/>
+            </a:pPr>
+            <a:endParaRPr lang="en-CA" sz="1600" dirty="0"/>
+          </a:p>
+          <a:p>
+            <a:r>
+              <a:rPr lang="en-CA" sz="1600" dirty="0"/>
+              <a:t>- GDP contribution from O&amp;G sharply decreases after 2014 but Gross GDP still increases steadily, even though Oil Export spikes up after 2014</a:t>
+            </a:r>
+          </a:p>
+          <a:p>
+            <a:endParaRPr lang="en-CA" sz="1600" dirty="0"/>
+          </a:p>
+          <a:p>
+            <a:r>
+              <a:rPr lang="en-CA" sz="1600" b="1" u="sng" dirty="0"/>
+              <a:t>Conclusion</a:t>
+            </a:r>
+            <a:r>
+              <a:rPr lang="en-CA" sz="1600" dirty="0"/>
+              <a:t>:</a:t>
+            </a:r>
+          </a:p>
+          <a:p>
+            <a:r>
+              <a:rPr lang="en-CA" sz="1600" dirty="0"/>
+              <a:t>- US economics and USD strength does not heavily rely on Oil Production and Export</a:t>
+            </a:r>
+          </a:p>
+        </p:txBody>
+      </p:sp>
       <p:pic>
         <p:nvPicPr>
-          <p:cNvPr id="11" name="Picture 10" descr="Chart&#10;&#10;Description automatically generated">
+          <p:cNvPr id="37" name="Picture 36" descr="Chart, line chart&#10;&#10;Description automatically generated">
             <a:extLst>
               <a:ext uri="{FF2B5EF4-FFF2-40B4-BE49-F238E27FC236}">
-                <a16:creationId xmlns:a16="http://schemas.microsoft.com/office/drawing/2014/main" id="{7FAA0539-5B6B-4C9F-8EDD-5E9DD50417AF}"/>
+                <a16:creationId xmlns:a16="http://schemas.microsoft.com/office/drawing/2014/main" id="{87D7BC94-D137-4FEC-A03F-6AA291881FD5}"/>
               </a:ext>
             </a:extLst>
           </p:cNvPr>
@@ -8034,97 +8301,14 @@
         </p:blipFill>
         <p:spPr>
           <a:xfrm>
-            <a:off x="4510236" y="1916832"/>
-            <a:ext cx="6841976" cy="4561318"/>
+            <a:off x="4535298" y="1785052"/>
+            <a:ext cx="7427974" cy="4812299"/>
           </a:xfrm>
           <a:prstGeom prst="rect">
             <a:avLst/>
           </a:prstGeom>
         </p:spPr>
       </p:pic>
-      <p:sp>
-        <p:nvSpPr>
-          <p:cNvPr id="15" name="TextBox 14">
-            <a:extLst>
-              <a:ext uri="{FF2B5EF4-FFF2-40B4-BE49-F238E27FC236}">
-                <a16:creationId xmlns:a16="http://schemas.microsoft.com/office/drawing/2014/main" id="{F1E73E71-38F6-4A8F-ACD8-3B889EBC13CC}"/>
-              </a:ext>
-            </a:extLst>
-          </p:cNvPr>
-          <p:cNvSpPr txBox="1"/>
-          <p:nvPr/>
-        </p:nvSpPr>
-        <p:spPr>
-          <a:xfrm>
-            <a:off x="1522413" y="2132856"/>
-            <a:ext cx="2843807" cy="3046988"/>
-          </a:xfrm>
-          <a:prstGeom prst="rect">
-            <a:avLst/>
-          </a:prstGeom>
-          <a:noFill/>
-        </p:spPr>
-        <p:txBody>
-          <a:bodyPr wrap="square" rtlCol="0">
-            <a:spAutoFit/>
-          </a:bodyPr>
-          <a:lstStyle/>
-          <a:p>
-            <a:pPr algn="ctr"/>
-            <a:r>
-              <a:rPr lang="en-CA" sz="1600" b="1" u="sng" dirty="0"/>
-              <a:t>US Crude Export vs. $$$</a:t>
-            </a:r>
-          </a:p>
-          <a:p>
-            <a:endParaRPr lang="en-CA" sz="1600" dirty="0"/>
-          </a:p>
-          <a:p>
-            <a:pPr marL="285750" indent="-285750">
-              <a:buFontTx/>
-              <a:buChar char="-"/>
-            </a:pPr>
-            <a:r>
-              <a:rPr lang="en-CA" sz="1600" dirty="0"/>
-              <a:t>Crude export from US ↑ in the past 15 years</a:t>
-            </a:r>
-          </a:p>
-          <a:p>
-            <a:pPr marL="285750" indent="-285750">
-              <a:buFontTx/>
-              <a:buChar char="-"/>
-            </a:pPr>
-            <a:endParaRPr lang="en-CA" sz="1600" dirty="0"/>
-          </a:p>
-          <a:p>
-            <a:pPr marL="285750" indent="-285750">
-              <a:buFontTx/>
-              <a:buChar char="-"/>
-            </a:pPr>
-            <a:r>
-              <a:rPr lang="en-CA" sz="1600" dirty="0"/>
-              <a:t>No direct correlation with USD dollar Index</a:t>
-            </a:r>
-          </a:p>
-          <a:p>
-            <a:pPr marL="285750" indent="-285750">
-              <a:buFontTx/>
-              <a:buChar char="-"/>
-            </a:pPr>
-            <a:endParaRPr lang="en-CA" sz="1600" dirty="0"/>
-          </a:p>
-          <a:p>
-            <a:pPr marL="285750" indent="-285750">
-              <a:buFontTx/>
-              <a:buChar char="-"/>
-            </a:pPr>
-            <a:r>
-              <a:rPr lang="en-CA" sz="1600" dirty="0"/>
-              <a:t>GDP from Crude Export does not have the same pattern with US Crude Export</a:t>
-            </a:r>
-          </a:p>
-        </p:txBody>
-      </p:sp>
     </p:spTree>
     <p:extLst>
       <p:ext uri="{BB962C8B-B14F-4D97-AF65-F5344CB8AC3E}">
@@ -8398,7 +8582,7 @@
         <p:spPr>
           <a:xfrm>
             <a:off x="1522413" y="2636912"/>
-            <a:ext cx="2843807" cy="2554545"/>
+            <a:ext cx="2843807" cy="3046988"/>
           </a:xfrm>
           <a:prstGeom prst="rect">
             <a:avLst/>
@@ -8427,7 +8611,15 @@
             </a:pPr>
             <a:r>
               <a:rPr lang="en-CA" sz="1600" dirty="0"/>
-              <a:t>Electricity from fuels decreases</a:t>
+              <a:t>Electricity from fuels decreases </a:t>
+            </a:r>
+            <a:r>
+              <a:rPr lang="en-CA" sz="1600" dirty="0">
+                <a:solidFill>
+                  <a:srgbClr val="FF0000"/>
+                </a:solidFill>
+              </a:rPr>
+              <a:t>by X%</a:t>
             </a:r>
           </a:p>
           <a:p>
@@ -8444,8 +8636,27 @@
             </a:pPr>
             <a:r>
               <a:rPr lang="en-CA" sz="1600" dirty="0"/>
-              <a:t>Electricity from renewable energy sources increases</a:t>
-            </a:r>
+              <a:t>Electricity from renewable energy sources increases </a:t>
+            </a:r>
+            <a:r>
+              <a:rPr lang="en-CA" sz="1600" dirty="0">
+                <a:solidFill>
+                  <a:srgbClr val="FF0000"/>
+                </a:solidFill>
+              </a:rPr>
+              <a:t>by X%  (expected 70% +)</a:t>
+            </a:r>
+          </a:p>
+          <a:p>
+            <a:pPr marL="285750" indent="-285750">
+              <a:buFontTx/>
+              <a:buChar char="-"/>
+            </a:pPr>
+            <a:endParaRPr lang="en-CA" sz="1600" dirty="0">
+              <a:solidFill>
+                <a:srgbClr val="FF0000"/>
+              </a:solidFill>
+            </a:endParaRPr>
           </a:p>
           <a:p>
             <a:pPr marL="285750" indent="-285750">
@@ -8476,13 +8687,13 @@
   <p:clrMapOvr>
     <a:masterClrMapping/>
   </p:clrMapOvr>
-  <mc:AlternateContent xmlns:mc="http://schemas.openxmlformats.org/markup-compatibility/2006">
-    <mc:Choice xmlns:p14="http://schemas.microsoft.com/office/powerpoint/2010/main" Requires="p14">
+  <mc:AlternateContent xmlns:mc="http://schemas.openxmlformats.org/markup-compatibility/2006" xmlns:p14="http://schemas.microsoft.com/office/powerpoint/2010/main">
+    <mc:Choice Requires="p14">
       <p:transition spd="med" p14:dur="700">
         <p:fade/>
       </p:transition>
     </mc:Choice>
-    <mc:Fallback>
+    <mc:Fallback xmlns="">
       <p:transition spd="med">
         <p:fade/>
       </p:transition>
